--- a/(宣道詩41)主除了我罪污.pptx
+++ b/(宣道詩41)主除了我罪污.pptx
@@ -14,7 +14,7 @@
     <p:sldId id="262" r:id="rId8"/>
     <p:sldId id="265" r:id="rId9"/>
   </p:sldIdLst>
-  <p:sldSz cx="9144000" cy="6858000" type="screen4x3"/>
+  <p:sldSz cx="12192000" cy="6858000"/>
   <p:notesSz cx="6858000" cy="9144000"/>
   <p:defaultTextStyle>
     <a:defPPr>
@@ -111,6 +111,22 @@
       </a:defRPr>
     </a:lvl9pPr>
   </p:defaultTextStyle>
+  <p:extLst>
+    <p:ext uri="{EFAFB233-063F-42B5-8137-9DF3F51BA10A}">
+      <p15:sldGuideLst xmlns:p15="http://schemas.microsoft.com/office/powerpoint/2012/main">
+        <p15:guide id="1" orient="horz" pos="2160" userDrawn="1">
+          <p15:clr>
+            <a:srgbClr val="A4A3A4"/>
+          </p15:clr>
+        </p15:guide>
+        <p15:guide id="2" pos="3840" userDrawn="1">
+          <p15:clr>
+            <a:srgbClr val="A4A3A4"/>
+          </p15:clr>
+        </p15:guide>
+      </p15:sldGuideLst>
+    </p:ext>
+  </p:extLst>
 </p:presentation>
 </file>
 
@@ -143,8 +159,8 @@
         </p:nvSpPr>
         <p:spPr>
           <a:xfrm>
-            <a:off x="685800" y="2130425"/>
-            <a:ext cx="7772400" cy="1470025"/>
+            <a:off x="914400" y="2130426"/>
+            <a:ext cx="10363200" cy="1470025"/>
           </a:xfrm>
         </p:spPr>
         <p:txBody>
@@ -171,8 +187,8 @@
         </p:nvSpPr>
         <p:spPr>
           <a:xfrm>
-            <a:off x="1371600" y="3886200"/>
-            <a:ext cx="6400800" cy="1752600"/>
+            <a:off x="1828800" y="3886200"/>
+            <a:ext cx="8534400" cy="1752600"/>
           </a:xfrm>
         </p:spPr>
         <p:txBody>
@@ -296,7 +312,7 @@
             <a:fld id="{1A769E83-1B29-49CE-AA64-0CA30BAC09D0}" type="datetimeFigureOut">
               <a:rPr lang="zh-TW" altLang="en-US" smtClean="0"/>
               <a:pPr/>
-              <a:t>2018/8/4</a:t>
+              <a:t>2020/4/8</a:t>
             </a:fld>
             <a:endParaRPr lang="zh-TW" altLang="en-US"/>
           </a:p>
@@ -463,7 +479,7 @@
             <a:fld id="{1A769E83-1B29-49CE-AA64-0CA30BAC09D0}" type="datetimeFigureOut">
               <a:rPr lang="zh-TW" altLang="en-US" smtClean="0"/>
               <a:pPr/>
-              <a:t>2018/8/4</a:t>
+              <a:t>2020/4/8</a:t>
             </a:fld>
             <a:endParaRPr lang="zh-TW" altLang="en-US"/>
           </a:p>
@@ -549,8 +565,8 @@
         </p:nvSpPr>
         <p:spPr>
           <a:xfrm>
-            <a:off x="6629400" y="274638"/>
-            <a:ext cx="2057400" cy="5851525"/>
+            <a:off x="8839200" y="274639"/>
+            <a:ext cx="2743200" cy="5851525"/>
           </a:xfrm>
         </p:spPr>
         <p:txBody>
@@ -577,8 +593,8 @@
         </p:nvSpPr>
         <p:spPr>
           <a:xfrm>
-            <a:off x="457200" y="274638"/>
-            <a:ext cx="6019800" cy="5851525"/>
+            <a:off x="609600" y="274639"/>
+            <a:ext cx="8026400" cy="5851525"/>
           </a:xfrm>
         </p:spPr>
         <p:txBody>
@@ -640,7 +656,7 @@
             <a:fld id="{1A769E83-1B29-49CE-AA64-0CA30BAC09D0}" type="datetimeFigureOut">
               <a:rPr lang="zh-TW" altLang="en-US" smtClean="0"/>
               <a:pPr/>
-              <a:t>2018/8/4</a:t>
+              <a:t>2020/4/8</a:t>
             </a:fld>
             <a:endParaRPr lang="zh-TW" altLang="en-US"/>
           </a:p>
@@ -807,7 +823,7 @@
             <a:fld id="{1A769E83-1B29-49CE-AA64-0CA30BAC09D0}" type="datetimeFigureOut">
               <a:rPr lang="zh-TW" altLang="en-US" smtClean="0"/>
               <a:pPr/>
-              <a:t>2018/8/4</a:t>
+              <a:t>2020/4/8</a:t>
             </a:fld>
             <a:endParaRPr lang="zh-TW" altLang="en-US"/>
           </a:p>
@@ -893,8 +909,8 @@
         </p:nvSpPr>
         <p:spPr>
           <a:xfrm>
-            <a:off x="722313" y="4406900"/>
-            <a:ext cx="7772400" cy="1362075"/>
+            <a:off x="963084" y="4406901"/>
+            <a:ext cx="10363200" cy="1362075"/>
           </a:xfrm>
         </p:spPr>
         <p:txBody>
@@ -925,8 +941,8 @@
         </p:nvSpPr>
         <p:spPr>
           <a:xfrm>
-            <a:off x="722313" y="2906713"/>
-            <a:ext cx="7772400" cy="1500187"/>
+            <a:off x="963084" y="2906713"/>
+            <a:ext cx="10363200" cy="1500187"/>
           </a:xfrm>
         </p:spPr>
         <p:txBody>
@@ -1050,7 +1066,7 @@
             <a:fld id="{1A769E83-1B29-49CE-AA64-0CA30BAC09D0}" type="datetimeFigureOut">
               <a:rPr lang="zh-TW" altLang="en-US" smtClean="0"/>
               <a:pPr/>
-              <a:t>2018/8/4</a:t>
+              <a:t>2020/4/8</a:t>
             </a:fld>
             <a:endParaRPr lang="zh-TW" altLang="en-US"/>
           </a:p>
@@ -1159,8 +1175,8 @@
         </p:nvSpPr>
         <p:spPr>
           <a:xfrm>
-            <a:off x="457200" y="1600200"/>
-            <a:ext cx="4038600" cy="4525963"/>
+            <a:off x="609600" y="1600201"/>
+            <a:ext cx="5384800" cy="4525963"/>
           </a:xfrm>
         </p:spPr>
         <p:txBody>
@@ -1244,8 +1260,8 @@
         </p:nvSpPr>
         <p:spPr>
           <a:xfrm>
-            <a:off x="4648200" y="1600200"/>
-            <a:ext cx="4038600" cy="4525963"/>
+            <a:off x="6197600" y="1600201"/>
+            <a:ext cx="5384800" cy="4525963"/>
           </a:xfrm>
         </p:spPr>
         <p:txBody>
@@ -1335,7 +1351,7 @@
             <a:fld id="{1A769E83-1B29-49CE-AA64-0CA30BAC09D0}" type="datetimeFigureOut">
               <a:rPr lang="zh-TW" altLang="en-US" smtClean="0"/>
               <a:pPr/>
-              <a:t>2018/8/4</a:t>
+              <a:t>2020/4/8</a:t>
             </a:fld>
             <a:endParaRPr lang="zh-TW" altLang="en-US"/>
           </a:p>
@@ -1448,8 +1464,8 @@
         </p:nvSpPr>
         <p:spPr>
           <a:xfrm>
-            <a:off x="457200" y="1535113"/>
-            <a:ext cx="4040188" cy="639762"/>
+            <a:off x="609600" y="1535113"/>
+            <a:ext cx="5386917" cy="639762"/>
           </a:xfrm>
         </p:spPr>
         <p:txBody>
@@ -1513,8 +1529,8 @@
         </p:nvSpPr>
         <p:spPr>
           <a:xfrm>
-            <a:off x="457200" y="2174875"/>
-            <a:ext cx="4040188" cy="3951288"/>
+            <a:off x="609600" y="2174875"/>
+            <a:ext cx="5386917" cy="3951288"/>
           </a:xfrm>
         </p:spPr>
         <p:txBody>
@@ -1598,8 +1614,8 @@
         </p:nvSpPr>
         <p:spPr>
           <a:xfrm>
-            <a:off x="4645025" y="1535113"/>
-            <a:ext cx="4041775" cy="639762"/>
+            <a:off x="6193368" y="1535113"/>
+            <a:ext cx="5389033" cy="639762"/>
           </a:xfrm>
         </p:spPr>
         <p:txBody>
@@ -1663,8 +1679,8 @@
         </p:nvSpPr>
         <p:spPr>
           <a:xfrm>
-            <a:off x="4645025" y="2174875"/>
-            <a:ext cx="4041775" cy="3951288"/>
+            <a:off x="6193368" y="2174875"/>
+            <a:ext cx="5389033" cy="3951288"/>
           </a:xfrm>
         </p:spPr>
         <p:txBody>
@@ -1754,7 +1770,7 @@
             <a:fld id="{1A769E83-1B29-49CE-AA64-0CA30BAC09D0}" type="datetimeFigureOut">
               <a:rPr lang="zh-TW" altLang="en-US" smtClean="0"/>
               <a:pPr/>
-              <a:t>2018/8/4</a:t>
+              <a:t>2020/4/8</a:t>
             </a:fld>
             <a:endParaRPr lang="zh-TW" altLang="en-US"/>
           </a:p>
@@ -1869,7 +1885,7 @@
             <a:fld id="{1A769E83-1B29-49CE-AA64-0CA30BAC09D0}" type="datetimeFigureOut">
               <a:rPr lang="zh-TW" altLang="en-US" smtClean="0"/>
               <a:pPr/>
-              <a:t>2018/8/4</a:t>
+              <a:t>2020/4/8</a:t>
             </a:fld>
             <a:endParaRPr lang="zh-TW" altLang="en-US"/>
           </a:p>
@@ -1961,7 +1977,7 @@
             <a:fld id="{1A769E83-1B29-49CE-AA64-0CA30BAC09D0}" type="datetimeFigureOut">
               <a:rPr lang="zh-TW" altLang="en-US" smtClean="0"/>
               <a:pPr/>
-              <a:t>2018/8/4</a:t>
+              <a:t>2020/4/8</a:t>
             </a:fld>
             <a:endParaRPr lang="zh-TW" altLang="en-US"/>
           </a:p>
@@ -2047,8 +2063,8 @@
         </p:nvSpPr>
         <p:spPr>
           <a:xfrm>
-            <a:off x="457200" y="273050"/>
-            <a:ext cx="3008313" cy="1162050"/>
+            <a:off x="609601" y="273050"/>
+            <a:ext cx="4011084" cy="1162050"/>
           </a:xfrm>
         </p:spPr>
         <p:txBody>
@@ -2079,8 +2095,8 @@
         </p:nvSpPr>
         <p:spPr>
           <a:xfrm>
-            <a:off x="3575050" y="273050"/>
-            <a:ext cx="5111750" cy="5853113"/>
+            <a:off x="4766733" y="273051"/>
+            <a:ext cx="6815667" cy="5853113"/>
           </a:xfrm>
         </p:spPr>
         <p:txBody>
@@ -2164,8 +2180,8 @@
         </p:nvSpPr>
         <p:spPr>
           <a:xfrm>
-            <a:off x="457200" y="1435100"/>
-            <a:ext cx="3008313" cy="4691063"/>
+            <a:off x="609601" y="1435101"/>
+            <a:ext cx="4011084" cy="4691063"/>
           </a:xfrm>
         </p:spPr>
         <p:txBody>
@@ -2235,7 +2251,7 @@
             <a:fld id="{1A769E83-1B29-49CE-AA64-0CA30BAC09D0}" type="datetimeFigureOut">
               <a:rPr lang="zh-TW" altLang="en-US" smtClean="0"/>
               <a:pPr/>
-              <a:t>2018/8/4</a:t>
+              <a:t>2020/4/8</a:t>
             </a:fld>
             <a:endParaRPr lang="zh-TW" altLang="en-US"/>
           </a:p>
@@ -2321,8 +2337,8 @@
         </p:nvSpPr>
         <p:spPr>
           <a:xfrm>
-            <a:off x="1792288" y="4800600"/>
-            <a:ext cx="5486400" cy="566738"/>
+            <a:off x="2389717" y="4800600"/>
+            <a:ext cx="7315200" cy="566738"/>
           </a:xfrm>
         </p:spPr>
         <p:txBody>
@@ -2353,8 +2369,8 @@
         </p:nvSpPr>
         <p:spPr>
           <a:xfrm>
-            <a:off x="1792288" y="612775"/>
-            <a:ext cx="5486400" cy="4114800"/>
+            <a:off x="2389717" y="612775"/>
+            <a:ext cx="7315200" cy="4114800"/>
           </a:xfrm>
         </p:spPr>
         <p:txBody>
@@ -2418,8 +2434,8 @@
         </p:nvSpPr>
         <p:spPr>
           <a:xfrm>
-            <a:off x="1792288" y="5367338"/>
-            <a:ext cx="5486400" cy="804862"/>
+            <a:off x="2389717" y="5367338"/>
+            <a:ext cx="7315200" cy="804862"/>
           </a:xfrm>
         </p:spPr>
         <p:txBody>
@@ -2489,7 +2505,7 @@
             <a:fld id="{1A769E83-1B29-49CE-AA64-0CA30BAC09D0}" type="datetimeFigureOut">
               <a:rPr lang="zh-TW" altLang="en-US" smtClean="0"/>
               <a:pPr/>
-              <a:t>2018/8/4</a:t>
+              <a:t>2020/4/8</a:t>
             </a:fld>
             <a:endParaRPr lang="zh-TW" altLang="en-US"/>
           </a:p>
@@ -2585,8 +2601,8 @@
         </p:nvSpPr>
         <p:spPr>
           <a:xfrm>
-            <a:off x="457200" y="274638"/>
-            <a:ext cx="8229600" cy="1143000"/>
+            <a:off x="609600" y="274638"/>
+            <a:ext cx="10972800" cy="1143000"/>
           </a:xfrm>
           <a:prstGeom prst="rect">
             <a:avLst/>
@@ -2618,8 +2634,8 @@
         </p:nvSpPr>
         <p:spPr>
           <a:xfrm>
-            <a:off x="457200" y="1600200"/>
-            <a:ext cx="8229600" cy="4525963"/>
+            <a:off x="609600" y="1600201"/>
+            <a:ext cx="10972800" cy="4525963"/>
           </a:xfrm>
           <a:prstGeom prst="rect">
             <a:avLst/>
@@ -2680,8 +2696,8 @@
         </p:nvSpPr>
         <p:spPr>
           <a:xfrm>
-            <a:off x="457200" y="6356350"/>
-            <a:ext cx="2133600" cy="365125"/>
+            <a:off x="609600" y="6356351"/>
+            <a:ext cx="2844800" cy="365125"/>
           </a:xfrm>
           <a:prstGeom prst="rect">
             <a:avLst/>
@@ -2704,7 +2720,7 @@
             <a:fld id="{1A769E83-1B29-49CE-AA64-0CA30BAC09D0}" type="datetimeFigureOut">
               <a:rPr lang="zh-TW" altLang="en-US" smtClean="0"/>
               <a:pPr/>
-              <a:t>2018/8/4</a:t>
+              <a:t>2020/4/8</a:t>
             </a:fld>
             <a:endParaRPr lang="zh-TW" altLang="en-US"/>
           </a:p>
@@ -2722,8 +2738,8 @@
         </p:nvSpPr>
         <p:spPr>
           <a:xfrm>
-            <a:off x="3124200" y="6356350"/>
-            <a:ext cx="2895600" cy="365125"/>
+            <a:off x="4165600" y="6356351"/>
+            <a:ext cx="3860800" cy="365125"/>
           </a:xfrm>
           <a:prstGeom prst="rect">
             <a:avLst/>
@@ -2759,8 +2775,8 @@
         </p:nvSpPr>
         <p:spPr>
           <a:xfrm>
-            <a:off x="6553200" y="6356350"/>
-            <a:ext cx="2133600" cy="365125"/>
+            <a:off x="8737600" y="6356351"/>
+            <a:ext cx="2844800" cy="365125"/>
           </a:xfrm>
           <a:prstGeom prst="rect">
             <a:avLst/>
@@ -3194,7 +3210,7 @@
               <a:t>主除了我罪</a:t>
             </a:r>
             <a:r>
-              <a:rPr lang="zh-TW" altLang="en-US" sz="5400" b="1" dirty="0" smtClean="0">
+              <a:rPr lang="zh-TW" altLang="en-US" sz="5400" b="1" dirty="0">
                 <a:solidFill>
                   <a:srgbClr val="000066"/>
                 </a:solidFill>
@@ -3209,6 +3225,44 @@
               </a:solidFill>
               <a:latin typeface="微軟正黑體" pitchFamily="34" charset="-120"/>
               <a:ea typeface="微軟正黑體" pitchFamily="34" charset="-120"/>
+            </a:endParaRPr>
+          </a:p>
+        </p:txBody>
+      </p:sp>
+      <p:sp>
+        <p:nvSpPr>
+          <p:cNvPr id="2" name="TextBox 1"/>
+          <p:cNvSpPr txBox="1"/>
+          <p:nvPr/>
+        </p:nvSpPr>
+        <p:spPr>
+          <a:xfrm>
+            <a:off x="839416" y="1600201"/>
+            <a:ext cx="1440160" cy="923330"/>
+          </a:xfrm>
+          <a:prstGeom prst="rect">
+            <a:avLst/>
+          </a:prstGeom>
+          <a:noFill/>
+        </p:spPr>
+        <p:txBody>
+          <a:bodyPr wrap="square" rtlCol="0">
+            <a:spAutoFit/>
+          </a:bodyPr>
+          <a:lstStyle/>
+          <a:p>
+            <a:r>
+              <a:rPr lang="vi-VN" sz="5400" b="1" dirty="0" smtClean="0">
+                <a:solidFill>
+                  <a:srgbClr val="000066"/>
+                </a:solidFill>
+              </a:rPr>
+              <a:t>1.</a:t>
+            </a:r>
+            <a:endParaRPr lang="vi-VN" sz="5400" b="1" dirty="0">
+              <a:solidFill>
+                <a:srgbClr val="000066"/>
+              </a:solidFill>
             </a:endParaRPr>
           </a:p>
         </p:txBody>
@@ -3287,7 +3341,7 @@
               <a:buNone/>
             </a:pPr>
             <a:r>
-              <a:rPr lang="zh-TW" altLang="en-US" sz="5400" b="1" dirty="0" smtClean="0">
+              <a:rPr lang="zh-TW" altLang="en-US" sz="5400" b="1" dirty="0">
                 <a:solidFill>
                   <a:srgbClr val="000066"/>
                 </a:solidFill>
@@ -3302,7 +3356,7 @@
               <a:buNone/>
             </a:pPr>
             <a:r>
-              <a:rPr lang="zh-TW" altLang="en-US" sz="5400" b="1" dirty="0" smtClean="0">
+              <a:rPr lang="zh-TW" altLang="en-US" sz="5400" b="1" dirty="0">
                 <a:solidFill>
                   <a:srgbClr val="000066"/>
                 </a:solidFill>
@@ -3317,7 +3371,7 @@
               <a:buNone/>
             </a:pPr>
             <a:r>
-              <a:rPr lang="zh-CN" altLang="en-US" sz="5400" b="1" dirty="0" smtClean="0">
+              <a:rPr lang="zh-CN" altLang="en-US" sz="5400" b="1" dirty="0">
                 <a:solidFill>
                   <a:srgbClr val="000066"/>
                 </a:solidFill>
@@ -3327,7 +3381,7 @@
               <a:t>使</a:t>
             </a:r>
             <a:r>
-              <a:rPr lang="zh-TW" altLang="en-US" sz="5400" b="1" dirty="0" smtClean="0">
+              <a:rPr lang="zh-TW" altLang="en-US" sz="5400" b="1" dirty="0">
                 <a:solidFill>
                   <a:srgbClr val="000066"/>
                 </a:solidFill>
@@ -3336,7 +3390,7 @@
               </a:rPr>
               <a:t>我日日歌唱歡呼</a:t>
             </a:r>
-            <a:endParaRPr lang="en-US" altLang="zh-TW" sz="5400" b="1" dirty="0" smtClean="0">
+            <a:endParaRPr lang="en-US" altLang="zh-TW" sz="5400" b="1" dirty="0">
               <a:solidFill>
                 <a:srgbClr val="000066"/>
               </a:solidFill>
@@ -3349,7 +3403,7 @@
               <a:buNone/>
             </a:pPr>
             <a:r>
-              <a:rPr lang="zh-TW" altLang="en-US" sz="5400" b="1" dirty="0" smtClean="0">
+              <a:rPr lang="zh-TW" altLang="en-US" sz="5400" b="1" dirty="0">
                 <a:solidFill>
                   <a:srgbClr val="000066"/>
                 </a:solidFill>
@@ -3364,7 +3418,7 @@
               <a:buNone/>
             </a:pPr>
             <a:r>
-              <a:rPr lang="zh-TW" altLang="en-US" sz="5400" b="1" dirty="0" smtClean="0">
+              <a:rPr lang="zh-TW" altLang="en-US" sz="5400" b="1" dirty="0">
                 <a:solidFill>
                   <a:srgbClr val="000066"/>
                 </a:solidFill>
@@ -3457,7 +3511,7 @@
               <a:buNone/>
             </a:pPr>
             <a:r>
-              <a:rPr lang="zh-TW" altLang="en-US" sz="5400" b="1" dirty="0" smtClean="0">
+              <a:rPr lang="zh-TW" altLang="en-US" sz="5400" b="1" dirty="0">
                 <a:solidFill>
                   <a:srgbClr val="000066"/>
                 </a:solidFill>
@@ -3467,7 +3521,7 @@
               <a:t>罪擔極重使我無</a:t>
             </a:r>
             <a:r>
-              <a:rPr lang="zh-CN" altLang="en-US" sz="5400" b="1" dirty="0" smtClean="0">
+              <a:rPr lang="zh-CN" altLang="en-US" sz="5400" b="1" dirty="0">
                 <a:solidFill>
                   <a:srgbClr val="000066"/>
                 </a:solidFill>
@@ -3477,7 +3531,7 @@
               <a:t>法</a:t>
             </a:r>
             <a:r>
-              <a:rPr lang="zh-TW" altLang="en-US" sz="5400" b="1" dirty="0" smtClean="0">
+              <a:rPr lang="zh-TW" altLang="en-US" sz="5400" b="1" dirty="0">
                 <a:solidFill>
                   <a:srgbClr val="000066"/>
                 </a:solidFill>
@@ -3492,7 +3546,7 @@
               <a:buNone/>
             </a:pPr>
             <a:r>
-              <a:rPr lang="zh-TW" altLang="en-US" sz="5400" b="1" dirty="0" smtClean="0">
+              <a:rPr lang="zh-TW" altLang="en-US" sz="5400" b="1" dirty="0">
                 <a:solidFill>
                   <a:srgbClr val="000066"/>
                 </a:solidFill>
@@ -3507,7 +3561,7 @@
               <a:buNone/>
             </a:pPr>
             <a:r>
-              <a:rPr lang="zh-TW" altLang="en-US" sz="5400" b="1" dirty="0" smtClean="0">
+              <a:rPr lang="zh-TW" altLang="en-US" sz="5400" b="1" dirty="0">
                 <a:solidFill>
                   <a:srgbClr val="000066"/>
                 </a:solidFill>
@@ -3522,7 +3576,7 @@
               <a:buNone/>
             </a:pPr>
             <a:r>
-              <a:rPr lang="zh-TW" altLang="en-US" sz="5400" b="1" dirty="0" smtClean="0">
+              <a:rPr lang="zh-TW" altLang="en-US" sz="5400" b="1" dirty="0">
                 <a:solidFill>
                   <a:srgbClr val="000066"/>
                 </a:solidFill>
@@ -3537,7 +3591,7 @@
               <a:buNone/>
             </a:pPr>
             <a:r>
-              <a:rPr lang="zh-TW" altLang="en-US" sz="5400" b="1" dirty="0" smtClean="0">
+              <a:rPr lang="zh-TW" altLang="en-US" sz="5400" b="1" dirty="0">
                 <a:solidFill>
                   <a:srgbClr val="000066"/>
                 </a:solidFill>
@@ -3552,6 +3606,52 @@
               </a:solidFill>
               <a:latin typeface="微軟正黑體" pitchFamily="34" charset="-120"/>
               <a:ea typeface="微軟正黑體" pitchFamily="34" charset="-120"/>
+            </a:endParaRPr>
+          </a:p>
+        </p:txBody>
+      </p:sp>
+      <p:sp>
+        <p:nvSpPr>
+          <p:cNvPr id="6" name="TextBox 5"/>
+          <p:cNvSpPr txBox="1"/>
+          <p:nvPr/>
+        </p:nvSpPr>
+        <p:spPr>
+          <a:xfrm>
+            <a:off x="839416" y="1600201"/>
+            <a:ext cx="1440160" cy="923330"/>
+          </a:xfrm>
+          <a:prstGeom prst="rect">
+            <a:avLst/>
+          </a:prstGeom>
+          <a:noFill/>
+        </p:spPr>
+        <p:txBody>
+          <a:bodyPr wrap="square" rtlCol="0">
+            <a:spAutoFit/>
+          </a:bodyPr>
+          <a:lstStyle/>
+          <a:p>
+            <a:r>
+              <a:rPr lang="vi-VN" sz="5400" b="1" dirty="0">
+                <a:solidFill>
+                  <a:srgbClr val="000066"/>
+                </a:solidFill>
+              </a:rPr>
+              <a:t>2</a:t>
+            </a:r>
+            <a:r>
+              <a:rPr lang="vi-VN" sz="5400" b="1" dirty="0" smtClean="0">
+                <a:solidFill>
+                  <a:srgbClr val="000066"/>
+                </a:solidFill>
+              </a:rPr>
+              <a:t>.</a:t>
+            </a:r>
+            <a:endParaRPr lang="vi-VN" sz="5400" b="1" dirty="0">
+              <a:solidFill>
+                <a:srgbClr val="000066"/>
+              </a:solidFill>
             </a:endParaRPr>
           </a:p>
         </p:txBody>
@@ -3630,7 +3730,7 @@
               <a:buNone/>
             </a:pPr>
             <a:r>
-              <a:rPr lang="zh-TW" altLang="en-US" sz="5400" b="1" dirty="0" smtClean="0">
+              <a:rPr lang="zh-TW" altLang="en-US" sz="5400" b="1" dirty="0">
                 <a:solidFill>
                   <a:srgbClr val="000066"/>
                 </a:solidFill>
@@ -3645,7 +3745,7 @@
               <a:buNone/>
             </a:pPr>
             <a:r>
-              <a:rPr lang="zh-TW" altLang="en-US" sz="5400" b="1" dirty="0" smtClean="0">
+              <a:rPr lang="zh-TW" altLang="en-US" sz="5400" b="1" dirty="0">
                 <a:solidFill>
                   <a:srgbClr val="000066"/>
                 </a:solidFill>
@@ -3660,7 +3760,7 @@
               <a:buNone/>
             </a:pPr>
             <a:r>
-              <a:rPr lang="zh-CN" altLang="en-US" sz="5400" b="1" dirty="0" smtClean="0">
+              <a:rPr lang="zh-CN" altLang="en-US" sz="5400" b="1" dirty="0">
                 <a:solidFill>
                   <a:srgbClr val="000066"/>
                 </a:solidFill>
@@ -3670,7 +3770,7 @@
               <a:t>使</a:t>
             </a:r>
             <a:r>
-              <a:rPr lang="zh-TW" altLang="en-US" sz="5400" b="1" dirty="0" smtClean="0">
+              <a:rPr lang="zh-TW" altLang="en-US" sz="5400" b="1" dirty="0">
                 <a:solidFill>
                   <a:srgbClr val="000066"/>
                 </a:solidFill>
@@ -3679,7 +3779,7 @@
               </a:rPr>
               <a:t>我日日歌唱歡呼</a:t>
             </a:r>
-            <a:endParaRPr lang="en-US" altLang="zh-TW" sz="5400" b="1" dirty="0" smtClean="0">
+            <a:endParaRPr lang="en-US" altLang="zh-TW" sz="5400" b="1" dirty="0">
               <a:solidFill>
                 <a:srgbClr val="000066"/>
               </a:solidFill>
@@ -3692,7 +3792,7 @@
               <a:buNone/>
             </a:pPr>
             <a:r>
-              <a:rPr lang="zh-TW" altLang="en-US" sz="5400" b="1" dirty="0" smtClean="0">
+              <a:rPr lang="zh-TW" altLang="en-US" sz="5400" b="1" dirty="0">
                 <a:solidFill>
                   <a:srgbClr val="000066"/>
                 </a:solidFill>
@@ -3707,7 +3807,7 @@
               <a:buNone/>
             </a:pPr>
             <a:r>
-              <a:rPr lang="zh-TW" altLang="en-US" sz="5400" b="1" dirty="0" smtClean="0">
+              <a:rPr lang="zh-TW" altLang="en-US" sz="5400" b="1" dirty="0">
                 <a:solidFill>
                   <a:srgbClr val="000066"/>
                 </a:solidFill>
@@ -3800,7 +3900,7 @@
               <a:buNone/>
             </a:pPr>
             <a:r>
-              <a:rPr lang="zh-TW" altLang="en-US" sz="5400" b="1" dirty="0" smtClean="0">
+              <a:rPr lang="zh-TW" altLang="en-US" sz="5400" b="1" dirty="0">
                 <a:solidFill>
                   <a:srgbClr val="000066"/>
                 </a:solidFill>
@@ -3815,7 +3915,7 @@
               <a:buNone/>
             </a:pPr>
             <a:r>
-              <a:rPr lang="zh-TW" altLang="en-US" sz="5400" b="1" dirty="0" smtClean="0">
+              <a:rPr lang="zh-TW" altLang="en-US" sz="5400" b="1" dirty="0">
                 <a:solidFill>
                   <a:srgbClr val="000066"/>
                 </a:solidFill>
@@ -3830,7 +3930,7 @@
               <a:buNone/>
             </a:pPr>
             <a:r>
-              <a:rPr lang="zh-TW" altLang="en-US" sz="5400" b="1" dirty="0" smtClean="0">
+              <a:rPr lang="zh-TW" altLang="en-US" sz="5400" b="1" dirty="0">
                 <a:solidFill>
                   <a:srgbClr val="000066"/>
                 </a:solidFill>
@@ -3845,7 +3945,7 @@
               <a:buNone/>
             </a:pPr>
             <a:r>
-              <a:rPr lang="zh-TW" altLang="en-US" sz="5400" b="1" dirty="0" smtClean="0">
+              <a:rPr lang="zh-TW" altLang="en-US" sz="5400" b="1" dirty="0">
                 <a:solidFill>
                   <a:srgbClr val="000066"/>
                 </a:solidFill>
@@ -3860,7 +3960,7 @@
               <a:buNone/>
             </a:pPr>
             <a:r>
-              <a:rPr lang="zh-TW" altLang="en-US" sz="5400" b="1" dirty="0" smtClean="0">
+              <a:rPr lang="zh-TW" altLang="en-US" sz="5400" b="1" dirty="0">
                 <a:solidFill>
                   <a:srgbClr val="000066"/>
                 </a:solidFill>
@@ -3875,6 +3975,52 @@
               </a:solidFill>
               <a:latin typeface="微軟正黑體" pitchFamily="34" charset="-120"/>
               <a:ea typeface="微軟正黑體" pitchFamily="34" charset="-120"/>
+            </a:endParaRPr>
+          </a:p>
+        </p:txBody>
+      </p:sp>
+      <p:sp>
+        <p:nvSpPr>
+          <p:cNvPr id="6" name="TextBox 5"/>
+          <p:cNvSpPr txBox="1"/>
+          <p:nvPr/>
+        </p:nvSpPr>
+        <p:spPr>
+          <a:xfrm>
+            <a:off x="839416" y="1600201"/>
+            <a:ext cx="1440160" cy="923330"/>
+          </a:xfrm>
+          <a:prstGeom prst="rect">
+            <a:avLst/>
+          </a:prstGeom>
+          <a:noFill/>
+        </p:spPr>
+        <p:txBody>
+          <a:bodyPr wrap="square" rtlCol="0">
+            <a:spAutoFit/>
+          </a:bodyPr>
+          <a:lstStyle/>
+          <a:p>
+            <a:r>
+              <a:rPr lang="vi-VN" sz="5400" b="1" dirty="0">
+                <a:solidFill>
+                  <a:srgbClr val="000066"/>
+                </a:solidFill>
+              </a:rPr>
+              <a:t>3</a:t>
+            </a:r>
+            <a:r>
+              <a:rPr lang="vi-VN" sz="5400" b="1" dirty="0" smtClean="0">
+                <a:solidFill>
+                  <a:srgbClr val="000066"/>
+                </a:solidFill>
+              </a:rPr>
+              <a:t>.</a:t>
+            </a:r>
+            <a:endParaRPr lang="vi-VN" sz="5400" b="1" dirty="0">
+              <a:solidFill>
+                <a:srgbClr val="000066"/>
+              </a:solidFill>
             </a:endParaRPr>
           </a:p>
         </p:txBody>
@@ -3953,7 +4099,7 @@
               <a:buNone/>
             </a:pPr>
             <a:r>
-              <a:rPr lang="zh-TW" altLang="en-US" sz="5400" b="1" dirty="0" smtClean="0">
+              <a:rPr lang="zh-TW" altLang="en-US" sz="5400" b="1" dirty="0">
                 <a:solidFill>
                   <a:srgbClr val="000066"/>
                 </a:solidFill>
@@ -3968,7 +4114,7 @@
               <a:buNone/>
             </a:pPr>
             <a:r>
-              <a:rPr lang="zh-TW" altLang="en-US" sz="5400" b="1" dirty="0" smtClean="0">
+              <a:rPr lang="zh-TW" altLang="en-US" sz="5400" b="1" dirty="0">
                 <a:solidFill>
                   <a:srgbClr val="000066"/>
                 </a:solidFill>
@@ -3983,7 +4129,7 @@
               <a:buNone/>
             </a:pPr>
             <a:r>
-              <a:rPr lang="zh-CN" altLang="en-US" sz="5400" b="1" dirty="0" smtClean="0">
+              <a:rPr lang="zh-CN" altLang="en-US" sz="5400" b="1" dirty="0">
                 <a:solidFill>
                   <a:srgbClr val="000066"/>
                 </a:solidFill>
@@ -3993,7 +4139,7 @@
               <a:t>使</a:t>
             </a:r>
             <a:r>
-              <a:rPr lang="zh-TW" altLang="en-US" sz="5400" b="1" dirty="0" smtClean="0">
+              <a:rPr lang="zh-TW" altLang="en-US" sz="5400" b="1" dirty="0">
                 <a:solidFill>
                   <a:srgbClr val="000066"/>
                 </a:solidFill>
@@ -4002,7 +4148,7 @@
               </a:rPr>
               <a:t>我日日歌唱歡呼</a:t>
             </a:r>
-            <a:endParaRPr lang="en-US" altLang="zh-TW" sz="5400" b="1" dirty="0" smtClean="0">
+            <a:endParaRPr lang="en-US" altLang="zh-TW" sz="5400" b="1" dirty="0">
               <a:solidFill>
                 <a:srgbClr val="000066"/>
               </a:solidFill>
@@ -4015,7 +4161,7 @@
               <a:buNone/>
             </a:pPr>
             <a:r>
-              <a:rPr lang="zh-TW" altLang="en-US" sz="5400" b="1" dirty="0" smtClean="0">
+              <a:rPr lang="zh-TW" altLang="en-US" sz="5400" b="1" dirty="0">
                 <a:solidFill>
                   <a:srgbClr val="000066"/>
                 </a:solidFill>
@@ -4030,7 +4176,7 @@
               <a:buNone/>
             </a:pPr>
             <a:r>
-              <a:rPr lang="zh-TW" altLang="en-US" sz="5400" b="1" dirty="0" smtClean="0">
+              <a:rPr lang="zh-TW" altLang="en-US" sz="5400" b="1" dirty="0">
                 <a:solidFill>
                   <a:srgbClr val="000066"/>
                 </a:solidFill>
@@ -4123,7 +4269,7 @@
               <a:buNone/>
             </a:pPr>
             <a:r>
-              <a:rPr lang="zh-TW" altLang="en-US" sz="5400" b="1" dirty="0" smtClean="0">
+              <a:rPr lang="zh-TW" altLang="en-US" sz="5400" b="1" dirty="0">
                 <a:solidFill>
                   <a:srgbClr val="000066"/>
                 </a:solidFill>
@@ -4138,7 +4284,7 @@
               <a:buNone/>
             </a:pPr>
             <a:r>
-              <a:rPr lang="zh-TW" altLang="en-US" sz="5400" b="1" dirty="0" smtClean="0">
+              <a:rPr lang="zh-TW" altLang="en-US" sz="5400" b="1" dirty="0">
                 <a:solidFill>
                   <a:srgbClr val="000066"/>
                 </a:solidFill>
@@ -4153,7 +4299,7 @@
               <a:buNone/>
             </a:pPr>
             <a:r>
-              <a:rPr lang="zh-TW" altLang="en-US" sz="5400" b="1" dirty="0" smtClean="0">
+              <a:rPr lang="zh-TW" altLang="en-US" sz="5400" b="1" dirty="0">
                 <a:solidFill>
                   <a:srgbClr val="000066"/>
                 </a:solidFill>
@@ -4168,7 +4314,7 @@
               <a:buNone/>
             </a:pPr>
             <a:r>
-              <a:rPr lang="zh-TW" altLang="en-US" sz="5400" b="1" dirty="0" smtClean="0">
+              <a:rPr lang="zh-TW" altLang="en-US" sz="5400" b="1" dirty="0">
                 <a:solidFill>
                   <a:srgbClr val="000066"/>
                 </a:solidFill>
@@ -4183,7 +4329,7 @@
               <a:buNone/>
             </a:pPr>
             <a:r>
-              <a:rPr lang="zh-TW" altLang="en-US" sz="5400" b="1" dirty="0" smtClean="0">
+              <a:rPr lang="zh-TW" altLang="en-US" sz="5400" b="1" dirty="0">
                 <a:solidFill>
                   <a:srgbClr val="000066"/>
                 </a:solidFill>
@@ -4198,6 +4344,52 @@
               </a:solidFill>
               <a:latin typeface="微軟正黑體" pitchFamily="34" charset="-120"/>
               <a:ea typeface="微軟正黑體" pitchFamily="34" charset="-120"/>
+            </a:endParaRPr>
+          </a:p>
+        </p:txBody>
+      </p:sp>
+      <p:sp>
+        <p:nvSpPr>
+          <p:cNvPr id="6" name="TextBox 5"/>
+          <p:cNvSpPr txBox="1"/>
+          <p:nvPr/>
+        </p:nvSpPr>
+        <p:spPr>
+          <a:xfrm>
+            <a:off x="839416" y="1600201"/>
+            <a:ext cx="1440160" cy="923330"/>
+          </a:xfrm>
+          <a:prstGeom prst="rect">
+            <a:avLst/>
+          </a:prstGeom>
+          <a:noFill/>
+        </p:spPr>
+        <p:txBody>
+          <a:bodyPr wrap="square" rtlCol="0">
+            <a:spAutoFit/>
+          </a:bodyPr>
+          <a:lstStyle/>
+          <a:p>
+            <a:r>
+              <a:rPr lang="vi-VN" sz="5400" b="1" dirty="0">
+                <a:solidFill>
+                  <a:srgbClr val="000066"/>
+                </a:solidFill>
+              </a:rPr>
+              <a:t>4</a:t>
+            </a:r>
+            <a:r>
+              <a:rPr lang="vi-VN" sz="5400" b="1" dirty="0" smtClean="0">
+                <a:solidFill>
+                  <a:srgbClr val="000066"/>
+                </a:solidFill>
+              </a:rPr>
+              <a:t>.</a:t>
+            </a:r>
+            <a:endParaRPr lang="vi-VN" sz="5400" b="1" dirty="0">
+              <a:solidFill>
+                <a:srgbClr val="000066"/>
+              </a:solidFill>
             </a:endParaRPr>
           </a:p>
         </p:txBody>
@@ -4276,7 +4468,7 @@
               <a:buNone/>
             </a:pPr>
             <a:r>
-              <a:rPr lang="zh-TW" altLang="en-US" sz="5400" b="1" dirty="0" smtClean="0">
+              <a:rPr lang="zh-TW" altLang="en-US" sz="5400" b="1" dirty="0">
                 <a:solidFill>
                   <a:srgbClr val="000066"/>
                 </a:solidFill>
@@ -4291,7 +4483,7 @@
               <a:buNone/>
             </a:pPr>
             <a:r>
-              <a:rPr lang="zh-TW" altLang="en-US" sz="5400" b="1" dirty="0" smtClean="0">
+              <a:rPr lang="zh-TW" altLang="en-US" sz="5400" b="1" dirty="0">
                 <a:solidFill>
                   <a:srgbClr val="000066"/>
                 </a:solidFill>
@@ -4306,7 +4498,7 @@
               <a:buNone/>
             </a:pPr>
             <a:r>
-              <a:rPr lang="zh-CN" altLang="en-US" sz="5400" b="1" dirty="0" smtClean="0">
+              <a:rPr lang="zh-CN" altLang="en-US" sz="5400" b="1" dirty="0">
                 <a:solidFill>
                   <a:srgbClr val="000066"/>
                 </a:solidFill>
@@ -4316,7 +4508,7 @@
               <a:t>使</a:t>
             </a:r>
             <a:r>
-              <a:rPr lang="zh-TW" altLang="en-US" sz="5400" b="1" dirty="0" smtClean="0">
+              <a:rPr lang="zh-TW" altLang="en-US" sz="5400" b="1" dirty="0">
                 <a:solidFill>
                   <a:srgbClr val="000066"/>
                 </a:solidFill>
@@ -4325,7 +4517,7 @@
               </a:rPr>
               <a:t>我日日歌唱歡呼</a:t>
             </a:r>
-            <a:endParaRPr lang="en-US" altLang="zh-TW" sz="5400" b="1" dirty="0" smtClean="0">
+            <a:endParaRPr lang="en-US" altLang="zh-TW" sz="5400" b="1" dirty="0">
               <a:solidFill>
                 <a:srgbClr val="000066"/>
               </a:solidFill>
@@ -4338,7 +4530,7 @@
               <a:buNone/>
             </a:pPr>
             <a:r>
-              <a:rPr lang="zh-TW" altLang="en-US" sz="5400" b="1" dirty="0" smtClean="0">
+              <a:rPr lang="zh-TW" altLang="en-US" sz="5400" b="1" dirty="0">
                 <a:solidFill>
                   <a:srgbClr val="000066"/>
                 </a:solidFill>
@@ -4353,7 +4545,7 @@
               <a:buNone/>
             </a:pPr>
             <a:r>
-              <a:rPr lang="zh-TW" altLang="en-US" sz="5400" b="1" dirty="0" smtClean="0">
+              <a:rPr lang="zh-TW" altLang="en-US" sz="5400" b="1" dirty="0">
                 <a:solidFill>
                   <a:srgbClr val="000066"/>
                 </a:solidFill>
